--- a/总结资料/老韩数据结构/环形队列.pptx
+++ b/总结资料/老韩数据结构/环形队列.pptx
@@ -199,7 +199,7 @@
           <a:p>
             <a:fld id="{BADCD795-0EE5-402B-8435-98720EEDE910}" type="datetimeFigureOut">
               <a:rPr lang="zh-CN" altLang="en-US" smtClean="0"/>
-              <a:t>2020/8/18</a:t>
+              <a:t>2020/8/24</a:t>
             </a:fld>
             <a:endParaRPr lang="zh-CN" altLang="en-US"/>
           </a:p>
@@ -1061,7 +1061,7 @@
           <a:p>
             <a:fld id="{28180231-021D-4686-81E1-D85A689420FC}" type="datetimeFigureOut">
               <a:rPr lang="zh-CN" altLang="en-US" smtClean="0"/>
-              <a:t>2020/8/18</a:t>
+              <a:t>2020/8/24</a:t>
             </a:fld>
             <a:endParaRPr lang="zh-CN" altLang="en-US"/>
           </a:p>
@@ -1259,7 +1259,7 @@
           <a:p>
             <a:fld id="{28180231-021D-4686-81E1-D85A689420FC}" type="datetimeFigureOut">
               <a:rPr lang="zh-CN" altLang="en-US" smtClean="0"/>
-              <a:t>2020/8/18</a:t>
+              <a:t>2020/8/24</a:t>
             </a:fld>
             <a:endParaRPr lang="zh-CN" altLang="en-US"/>
           </a:p>
@@ -1467,7 +1467,7 @@
           <a:p>
             <a:fld id="{28180231-021D-4686-81E1-D85A689420FC}" type="datetimeFigureOut">
               <a:rPr lang="zh-CN" altLang="en-US" smtClean="0"/>
-              <a:t>2020/8/18</a:t>
+              <a:t>2020/8/24</a:t>
             </a:fld>
             <a:endParaRPr lang="zh-CN" altLang="en-US"/>
           </a:p>
@@ -1665,7 +1665,7 @@
           <a:p>
             <a:fld id="{28180231-021D-4686-81E1-D85A689420FC}" type="datetimeFigureOut">
               <a:rPr lang="zh-CN" altLang="en-US" smtClean="0"/>
-              <a:t>2020/8/18</a:t>
+              <a:t>2020/8/24</a:t>
             </a:fld>
             <a:endParaRPr lang="zh-CN" altLang="en-US"/>
           </a:p>
@@ -1940,7 +1940,7 @@
           <a:p>
             <a:fld id="{28180231-021D-4686-81E1-D85A689420FC}" type="datetimeFigureOut">
               <a:rPr lang="zh-CN" altLang="en-US" smtClean="0"/>
-              <a:t>2020/8/18</a:t>
+              <a:t>2020/8/24</a:t>
             </a:fld>
             <a:endParaRPr lang="zh-CN" altLang="en-US"/>
           </a:p>
@@ -2205,7 +2205,7 @@
           <a:p>
             <a:fld id="{28180231-021D-4686-81E1-D85A689420FC}" type="datetimeFigureOut">
               <a:rPr lang="zh-CN" altLang="en-US" smtClean="0"/>
-              <a:t>2020/8/18</a:t>
+              <a:t>2020/8/24</a:t>
             </a:fld>
             <a:endParaRPr lang="zh-CN" altLang="en-US"/>
           </a:p>
@@ -2617,7 +2617,7 @@
           <a:p>
             <a:fld id="{28180231-021D-4686-81E1-D85A689420FC}" type="datetimeFigureOut">
               <a:rPr lang="zh-CN" altLang="en-US" smtClean="0"/>
-              <a:t>2020/8/18</a:t>
+              <a:t>2020/8/24</a:t>
             </a:fld>
             <a:endParaRPr lang="zh-CN" altLang="en-US"/>
           </a:p>
@@ -2758,7 +2758,7 @@
           <a:p>
             <a:fld id="{28180231-021D-4686-81E1-D85A689420FC}" type="datetimeFigureOut">
               <a:rPr lang="zh-CN" altLang="en-US" smtClean="0"/>
-              <a:t>2020/8/18</a:t>
+              <a:t>2020/8/24</a:t>
             </a:fld>
             <a:endParaRPr lang="zh-CN" altLang="en-US"/>
           </a:p>
@@ -2871,7 +2871,7 @@
           <a:p>
             <a:fld id="{28180231-021D-4686-81E1-D85A689420FC}" type="datetimeFigureOut">
               <a:rPr lang="zh-CN" altLang="en-US" smtClean="0"/>
-              <a:t>2020/8/18</a:t>
+              <a:t>2020/8/24</a:t>
             </a:fld>
             <a:endParaRPr lang="zh-CN" altLang="en-US"/>
           </a:p>
@@ -3182,7 +3182,7 @@
           <a:p>
             <a:fld id="{28180231-021D-4686-81E1-D85A689420FC}" type="datetimeFigureOut">
               <a:rPr lang="zh-CN" altLang="en-US" smtClean="0"/>
-              <a:t>2020/8/18</a:t>
+              <a:t>2020/8/24</a:t>
             </a:fld>
             <a:endParaRPr lang="zh-CN" altLang="en-US"/>
           </a:p>
@@ -3470,7 +3470,7 @@
           <a:p>
             <a:fld id="{28180231-021D-4686-81E1-D85A689420FC}" type="datetimeFigureOut">
               <a:rPr lang="zh-CN" altLang="en-US" smtClean="0"/>
-              <a:t>2020/8/18</a:t>
+              <a:t>2020/8/24</a:t>
             </a:fld>
             <a:endParaRPr lang="zh-CN" altLang="en-US"/>
           </a:p>
@@ -3711,7 +3711,7 @@
           <a:p>
             <a:fld id="{28180231-021D-4686-81E1-D85A689420FC}" type="datetimeFigureOut">
               <a:rPr lang="zh-CN" altLang="en-US" smtClean="0"/>
-              <a:t>2020/8/18</a:t>
+              <a:t>2020/8/24</a:t>
             </a:fld>
             <a:endParaRPr lang="zh-CN" altLang="en-US"/>
           </a:p>
@@ -9826,35 +9826,6 @@
           <a:chExt cx="0" cy="0"/>
         </a:xfrm>
       </p:grpSpPr>
-      <p:pic>
-        <p:nvPicPr>
-          <p:cNvPr id="3" name="图片 2">
-            <a:extLst>
-              <a:ext uri="{FF2B5EF4-FFF2-40B4-BE49-F238E27FC236}">
-                <a16:creationId xmlns:a16="http://schemas.microsoft.com/office/drawing/2014/main" id="{EDCB73E5-0377-4E3F-BA5A-E403E61004BC}"/>
-              </a:ext>
-            </a:extLst>
-          </p:cNvPr>
-          <p:cNvPicPr>
-            <a:picLocks noChangeAspect="1"/>
-          </p:cNvPicPr>
-          <p:nvPr/>
-        </p:nvPicPr>
-        <p:blipFill rotWithShape="1">
-          <a:blip r:embed="rId2"/>
-          <a:srcRect l="48187" t="44084" r="46516" b="46611"/>
-          <a:stretch/>
-        </p:blipFill>
-        <p:spPr>
-          <a:xfrm>
-            <a:off x="5875020" y="3023235"/>
-            <a:ext cx="645795" cy="638175"/>
-          </a:xfrm>
-          <a:prstGeom prst="rect">
-            <a:avLst/>
-          </a:prstGeom>
-        </p:spPr>
-      </p:pic>
     </p:spTree>
     <p:extLst>
       <p:ext uri="{BB962C8B-B14F-4D97-AF65-F5344CB8AC3E}">
